--- a/01_FoundationProjects/RCC06_Mode_Selection_Using_Mode_Button/RCC06_Robot_Car_Control_Using_Mode_Button.pptx
+++ b/01_FoundationProjects/RCC06_Mode_Selection_Using_Mode_Button/RCC06_Robot_Car_Control_Using_Mode_Button.pptx
@@ -202,7 +202,7 @@
           <a:p>
             <a:fld id="{2A311A46-23A7-4CAD-863D-6397CDAD4FD2}" type="datetimeFigureOut">
               <a:rPr lang="en-GB" smtClean="0"/>
-              <a:t>11/01/2026</a:t>
+              <a:t>17/01/2026</a:t>
             </a:fld>
             <a:endParaRPr lang="en-GB"/>
           </a:p>
@@ -8576,7 +8576,7 @@
         </p:nvSpPr>
         <p:spPr bwMode="auto">
           <a:xfrm>
-            <a:off x="324465" y="5276904"/>
+            <a:off x="324465" y="4598273"/>
             <a:ext cx="5771535" cy="584775"/>
           </a:xfrm>
           <a:prstGeom prst="rect">
@@ -8736,8 +8736,8 @@
         </p:nvSpPr>
         <p:spPr>
           <a:xfrm>
-            <a:off x="1008204" y="5923977"/>
-            <a:ext cx="4885191" cy="307777"/>
+            <a:off x="412570" y="5170370"/>
+            <a:ext cx="4885191" cy="1169551"/>
           </a:xfrm>
           <a:prstGeom prst="rect">
             <a:avLst/>
@@ -8849,7 +8849,14 @@
             </a:lvl9pPr>
           </a:lstStyle>
           <a:p>
-            <a:endParaRPr lang="en-GB" dirty="0"/>
+            <a:r>
+              <a:rPr lang="en-GB" dirty="0">
+                <a:solidFill>
+                  <a:srgbClr val="00B0F0"/>
+                </a:solidFill>
+              </a:rPr>
+              <a:t>https://github.com/info-zas/zas-robotics-car-2-communications/blob/main/01_FoundationProjects/RCC06_Mode_Selection_Using_Mode_Button/RCC06_Mode_Selection_Using_Mode_Button_Tx/RCC06_Mode_Selection_Using_Mode_Button_Tx.ino</a:t>
+            </a:r>
           </a:p>
         </p:txBody>
       </p:sp>
@@ -8867,7 +8874,7 @@
         </p:nvSpPr>
         <p:spPr bwMode="auto">
           <a:xfrm>
-            <a:off x="6420465" y="5339202"/>
+            <a:off x="6420465" y="4932035"/>
             <a:ext cx="5771535" cy="584775"/>
           </a:xfrm>
           <a:prstGeom prst="rect">
@@ -9019,8 +9026,8 @@
         </p:nvSpPr>
         <p:spPr>
           <a:xfrm>
-            <a:off x="6510130" y="5923977"/>
-            <a:ext cx="4885191" cy="307777"/>
+            <a:off x="6526472" y="5492271"/>
+            <a:ext cx="4885191" cy="1169551"/>
           </a:xfrm>
           <a:prstGeom prst="rect">
             <a:avLst/>
@@ -9132,7 +9139,14 @@
             </a:lvl9pPr>
           </a:lstStyle>
           <a:p>
-            <a:endParaRPr lang="en-GB" dirty="0"/>
+            <a:r>
+              <a:rPr lang="en-GB" dirty="0">
+                <a:solidFill>
+                  <a:srgbClr val="00B0F0"/>
+                </a:solidFill>
+              </a:rPr>
+              <a:t>https://github.com/info-zas/zas-robotics-car-2-communications/blob/main/01_FoundationProjects/RCC06_Mode_Selection_Using_Mode_Button/RCC06_Mode_Selection_Using_Mode_Button_Rx/RCC06_Mode_Selection_Using_Mode_Button_Rx.ino</a:t>
+            </a:r>
           </a:p>
         </p:txBody>
       </p:sp>
@@ -9164,7 +9178,7 @@
         </p:blipFill>
         <p:spPr bwMode="auto">
           <a:xfrm rot="10800000">
-            <a:off x="6659109" y="1476935"/>
+            <a:off x="6526472" y="1027906"/>
             <a:ext cx="2842812" cy="3904129"/>
           </a:xfrm>
           <a:prstGeom prst="rect">
@@ -9200,7 +9214,7 @@
         </p:blipFill>
         <p:spPr bwMode="auto">
           <a:xfrm rot="16200000">
-            <a:off x="1433098" y="1562880"/>
+            <a:off x="1327995" y="1102608"/>
             <a:ext cx="3054342" cy="3904129"/>
           </a:xfrm>
           <a:prstGeom prst="rect">
